--- a/materials/PMM-M1/PMM-M1-S1-Constructive-Alignment/PMM-M1-S1-Constructive-Alignment-slides.pptx
+++ b/materials/PMM-M1/PMM-M1-S1-Constructive-Alignment/PMM-M1-S1-Constructive-Alignment-slides.pptx
@@ -4936,7 +4936,7 @@
             </a:pPr>
             <a:r>
               <a:rPr/>
-              <a:t>12/02/2026</a:t>
+              <a:t>15/02/2026</a:t>
             </a:r>
           </a:p>
         </p:txBody>

--- a/materials/PMM-M1/PMM-M1-S1-Constructive-Alignment/PMM-M1-S1-Constructive-Alignment-slides.pptx
+++ b/materials/PMM-M1/PMM-M1-S1-Constructive-Alignment/PMM-M1-S1-Constructive-Alignment-slides.pptx
@@ -4936,7 +4936,7 @@
             </a:pPr>
             <a:r>
               <a:rPr/>
-              <a:t>15/02/2026</a:t>
+              <a:t>18/02/2026</a:t>
             </a:r>
           </a:p>
         </p:txBody>

--- a/materials/PMM-M1/PMM-M1-S1-Constructive-Alignment/PMM-M1-S1-Constructive-Alignment-slides.pptx
+++ b/materials/PMM-M1/PMM-M1-S1-Constructive-Alignment/PMM-M1-S1-Constructive-Alignment-slides.pptx
@@ -4936,7 +4936,7 @@
             </a:pPr>
             <a:r>
               <a:rPr/>
-              <a:t>18/02/2026</a:t>
+              <a:t>22/02/2026</a:t>
             </a:r>
           </a:p>
         </p:txBody>
